--- a/project_2_presentation_deck.pptx
+++ b/project_2_presentation_deck.pptx
@@ -107,6 +107,11 @@
       </a:defRPr>
     </a:lvl9pPr>
   </p:defaultTextStyle>
+  <p:extLst>
+    <p:ext uri="{EFAFB233-063F-42B5-8137-9DF3F51BA10A}">
+      <p15:sldGuideLst xmlns:p15="http://schemas.microsoft.com/office/powerpoint/2012/main"/>
+    </p:ext>
+  </p:extLst>
 </p:presentation>
 </file>
 
@@ -1100,7 +1105,7 @@
         <a:p>
           <a:r>
             <a:rPr lang="en-US" dirty="0"/>
-            <a:t>???</a:t>
+            <a:t>Dataquest.com</a:t>
           </a:r>
         </a:p>
       </dgm:t>
@@ -1172,7 +1177,7 @@
         <a:p>
           <a:r>
             <a:rPr lang="en-US" dirty="0"/>
-            <a:t>???</a:t>
+            <a:t>Longbeach.gov</a:t>
           </a:r>
         </a:p>
       </dgm:t>
@@ -1189,6 +1194,42 @@
       </dgm:t>
     </dgm:pt>
     <dgm:pt modelId="{0A50DDF4-2DFE-4BD9-886A-D8D4882744BD}" type="sibTrans" cxnId="{E23D423F-FA3D-42CA-A561-7355FC771068}">
+      <dgm:prSet/>
+      <dgm:spPr/>
+      <dgm:t>
+        <a:bodyPr/>
+        <a:lstStyle/>
+        <a:p>
+          <a:endParaRPr lang="en-US"/>
+        </a:p>
+      </dgm:t>
+    </dgm:pt>
+    <dgm:pt modelId="{C0DC1A9D-6F03-4FEB-8FC9-53EDFF76AF43}">
+      <dgm:prSet phldrT="[Text]"/>
+      <dgm:spPr/>
+      <dgm:t>
+        <a:bodyPr/>
+        <a:lstStyle/>
+        <a:p>
+          <a:r>
+            <a:rPr lang="en-US" dirty="0"/>
+            <a:t>LBUSD</a:t>
+          </a:r>
+        </a:p>
+      </dgm:t>
+    </dgm:pt>
+    <dgm:pt modelId="{32D52C9A-10DA-47DB-BF85-B9861AB5072E}" type="parTrans" cxnId="{532D24DA-6848-49F1-92DA-6E9E6E3889DC}">
+      <dgm:prSet/>
+      <dgm:spPr/>
+      <dgm:t>
+        <a:bodyPr/>
+        <a:lstStyle/>
+        <a:p>
+          <a:endParaRPr lang="en-US"/>
+        </a:p>
+      </dgm:t>
+    </dgm:pt>
+    <dgm:pt modelId="{1A903387-DEB6-4F46-87A8-0E8E6D278F99}" type="sibTrans" cxnId="{532D24DA-6848-49F1-92DA-6E9E6E3889DC}">
       <dgm:prSet/>
       <dgm:spPr/>
       <dgm:t>
@@ -1325,8 +1366,10 @@
     <dgm:cxn modelId="{F615844E-B08E-49A7-8608-AF753ECC747A}" srcId="{53F72ADD-5B05-4F15-B4EE-D790E4D22632}" destId="{1E7828EF-BD8F-4121-AEA9-B5E5799AD6A7}" srcOrd="2" destOrd="0" parTransId="{B72DF09F-2F82-43A3-93EC-2FBF8699C6FB}" sibTransId="{84CE33F8-39A1-4935-A7FD-BE659663C33B}"/>
     <dgm:cxn modelId="{F5999882-ADA7-49AC-BC85-554EA1865551}" srcId="{E02F6365-593E-4BDF-AD57-A69B9DFAF79A}" destId="{4D1FE5FF-7252-4E49-A73A-1FEB9A21A07E}" srcOrd="1" destOrd="0" parTransId="{0EEECF6E-2C3E-4E2D-9705-C7A5B93D91EA}" sibTransId="{F8AE952C-2AD8-4DFD-B2EB-92599EBF6793}"/>
     <dgm:cxn modelId="{5C2D11A5-ED15-41B4-A82C-3BBE926EB027}" type="presOf" srcId="{26DA5EB8-B154-4C85-A67C-EA53CE4E55EB}" destId="{C5472A32-03F3-4C39-9AF7-304DE48A3E4C}" srcOrd="0" destOrd="0" presId="urn:microsoft.com/office/officeart/2005/8/layout/hList1"/>
+    <dgm:cxn modelId="{111873B0-C816-43C9-B51D-C60D6BD249B9}" type="presOf" srcId="{C0DC1A9D-6F03-4FEB-8FC9-53EDFF76AF43}" destId="{092189A3-8BF3-4430-9F1F-B8A289BA2ED9}" srcOrd="0" destOrd="1" presId="urn:microsoft.com/office/officeart/2005/8/layout/hList1"/>
     <dgm:cxn modelId="{2DBB3CC7-0BA7-47B9-9AFB-5AAB320A37AB}" type="presOf" srcId="{48F6FD28-C29A-4C33-9D05-D1A451319912}" destId="{BD5636B4-92CC-4DAA-9AA7-279B344F3446}" srcOrd="0" destOrd="0" presId="urn:microsoft.com/office/officeart/2005/8/layout/hList1"/>
     <dgm:cxn modelId="{E221E2C8-6AEC-4A1C-99BA-56E7BBFD1FCC}" srcId="{53F72ADD-5B05-4F15-B4EE-D790E4D22632}" destId="{E02F6365-593E-4BDF-AD57-A69B9DFAF79A}" srcOrd="0" destOrd="0" parTransId="{86A27BC4-7ED0-4DA1-9A8C-74B924A291AE}" sibTransId="{8E7ABA0F-4B75-4311-94E3-37E4BAFE6E5D}"/>
+    <dgm:cxn modelId="{532D24DA-6848-49F1-92DA-6E9E6E3889DC}" srcId="{1E7828EF-BD8F-4121-AEA9-B5E5799AD6A7}" destId="{C0DC1A9D-6F03-4FEB-8FC9-53EDFF76AF43}" srcOrd="1" destOrd="0" parTransId="{32D52C9A-10DA-47DB-BF85-B9861AB5072E}" sibTransId="{1A903387-DEB6-4F46-87A8-0E8E6D278F99}"/>
     <dgm:cxn modelId="{20693AE8-6D79-4F6D-8DF9-A1FDDFAD264F}" type="presOf" srcId="{1CD5799A-8713-4B92-8A42-C34ABE2B76A2}" destId="{81453BAD-6EBC-4CBC-8475-DFB499056D8B}" srcOrd="0" destOrd="0" presId="urn:microsoft.com/office/officeart/2005/8/layout/hList1"/>
     <dgm:cxn modelId="{A9248DE8-9D10-48FB-AD2E-3B88B8ED97AB}" type="presOf" srcId="{E02F6365-593E-4BDF-AD57-A69B9DFAF79A}" destId="{08484AA6-B979-4120-9D34-A635D1545D5C}" srcOrd="0" destOrd="0" presId="urn:microsoft.com/office/officeart/2005/8/layout/hList1"/>
     <dgm:cxn modelId="{C8FEAAFE-305C-4001-8ABC-B3B8F09B59B7}" type="presOf" srcId="{6EF776DA-B72A-4FA0-8CEB-5036394DFF38}" destId="{092189A3-8BF3-4430-9F1F-B8A289BA2ED9}" srcOrd="0" destOrd="0" presId="urn:microsoft.com/office/officeart/2005/8/layout/hList1"/>
@@ -1371,8 +1414,8 @@
       </dsp:nvSpPr>
       <dsp:spPr>
         <a:xfrm>
-          <a:off x="3515" y="1716446"/>
-          <a:ext cx="2114159" cy="834209"/>
+          <a:off x="3515" y="2069268"/>
+          <a:ext cx="2114159" cy="576000"/>
         </a:xfrm>
         <a:prstGeom prst="rect">
           <a:avLst/>
@@ -1413,12 +1456,12 @@
         </a:fontRef>
       </dsp:style>
       <dsp:txBody>
-        <a:bodyPr spcFirstLastPara="0" vert="horz" wrap="square" lIns="163576" tIns="93472" rIns="163576" bIns="93472" numCol="1" spcCol="1270" anchor="ctr" anchorCtr="0">
+        <a:bodyPr spcFirstLastPara="0" vert="horz" wrap="square" lIns="142240" tIns="81280" rIns="142240" bIns="81280" numCol="1" spcCol="1270" anchor="ctr" anchorCtr="0">
           <a:noAutofit/>
         </a:bodyPr>
         <a:lstStyle/>
         <a:p>
-          <a:pPr marL="0" lvl="0" indent="0" algn="ctr" defTabSz="1022350">
+          <a:pPr marL="0" lvl="0" indent="0" algn="ctr" defTabSz="889000">
             <a:lnSpc>
               <a:spcPct val="90000"/>
             </a:lnSpc>
@@ -1431,14 +1474,14 @@
             <a:buNone/>
           </a:pPr>
           <a:r>
-            <a:rPr lang="en-US" sz="2300" kern="1200" dirty="0"/>
+            <a:rPr lang="en-US" sz="2000" kern="1200" dirty="0"/>
             <a:t>Property Listings</a:t>
           </a:r>
         </a:p>
       </dsp:txBody>
       <dsp:txXfrm>
-        <a:off x="3515" y="1716446"/>
-        <a:ext cx="2114159" cy="834209"/>
+        <a:off x="3515" y="2069268"/>
+        <a:ext cx="2114159" cy="576000"/>
       </dsp:txXfrm>
     </dsp:sp>
     <dsp:sp modelId="{81453BAD-6EBC-4CBC-8475-DFB499056D8B}">
@@ -1448,8 +1491,8 @@
       </dsp:nvSpPr>
       <dsp:spPr>
         <a:xfrm>
-          <a:off x="3515" y="2550655"/>
-          <a:ext cx="2114159" cy="1325835"/>
+          <a:off x="3515" y="2645268"/>
+          <a:ext cx="2114159" cy="878400"/>
         </a:xfrm>
         <a:prstGeom prst="rect">
           <a:avLst/>
@@ -1492,12 +1535,12 @@
         <a:fontRef idx="minor"/>
       </dsp:style>
       <dsp:txBody>
-        <a:bodyPr spcFirstLastPara="0" vert="horz" wrap="square" lIns="122682" tIns="122682" rIns="163576" bIns="184023" numCol="1" spcCol="1270" anchor="t" anchorCtr="0">
+        <a:bodyPr spcFirstLastPara="0" vert="horz" wrap="square" lIns="106680" tIns="106680" rIns="142240" bIns="160020" numCol="1" spcCol="1270" anchor="t" anchorCtr="0">
           <a:noAutofit/>
         </a:bodyPr>
         <a:lstStyle/>
         <a:p>
-          <a:pPr marL="228600" lvl="1" indent="-228600" algn="l" defTabSz="1022350">
+          <a:pPr marL="228600" lvl="1" indent="-228600" algn="l" defTabSz="889000">
             <a:lnSpc>
               <a:spcPct val="90000"/>
             </a:lnSpc>
@@ -1510,12 +1553,12 @@
             <a:buChar char="•"/>
           </a:pPr>
           <a:r>
-            <a:rPr lang="en-US" sz="2300" kern="1200" dirty="0"/>
+            <a:rPr lang="en-US" sz="2000" kern="1200" dirty="0"/>
             <a:t>Zillow Scraping</a:t>
           </a:r>
         </a:p>
         <a:p>
-          <a:pPr marL="228600" lvl="1" indent="-228600" algn="l" defTabSz="1022350">
+          <a:pPr marL="228600" lvl="1" indent="-228600" algn="l" defTabSz="889000">
             <a:lnSpc>
               <a:spcPct val="90000"/>
             </a:lnSpc>
@@ -1528,14 +1571,14 @@
             <a:buChar char="•"/>
           </a:pPr>
           <a:r>
-            <a:rPr lang="en-US" sz="2300" kern="1200" dirty="0"/>
+            <a:rPr lang="en-US" sz="2000" kern="1200" dirty="0"/>
             <a:t>Zillow API</a:t>
           </a:r>
         </a:p>
       </dsp:txBody>
       <dsp:txXfrm>
-        <a:off x="3515" y="2550655"/>
-        <a:ext cx="2114159" cy="1325835"/>
+        <a:off x="3515" y="2645268"/>
+        <a:ext cx="2114159" cy="878400"/>
       </dsp:txXfrm>
     </dsp:sp>
     <dsp:sp modelId="{5C4BFB60-C2D0-46B3-B0B4-95FE0CF005C6}">
@@ -1545,8 +1588,8 @@
       </dsp:nvSpPr>
       <dsp:spPr>
         <a:xfrm>
-          <a:off x="2413658" y="1716446"/>
-          <a:ext cx="2114159" cy="834209"/>
+          <a:off x="2413658" y="2069268"/>
+          <a:ext cx="2114159" cy="576000"/>
         </a:xfrm>
         <a:prstGeom prst="rect">
           <a:avLst/>
@@ -1587,12 +1630,12 @@
         </a:fontRef>
       </dsp:style>
       <dsp:txBody>
-        <a:bodyPr spcFirstLastPara="0" vert="horz" wrap="square" lIns="163576" tIns="93472" rIns="163576" bIns="93472" numCol="1" spcCol="1270" anchor="ctr" anchorCtr="0">
+        <a:bodyPr spcFirstLastPara="0" vert="horz" wrap="square" lIns="142240" tIns="81280" rIns="142240" bIns="81280" numCol="1" spcCol="1270" anchor="ctr" anchorCtr="0">
           <a:noAutofit/>
         </a:bodyPr>
         <a:lstStyle/>
         <a:p>
-          <a:pPr marL="0" lvl="0" indent="0" algn="ctr" defTabSz="1022350">
+          <a:pPr marL="0" lvl="0" indent="0" algn="ctr" defTabSz="889000">
             <a:lnSpc>
               <a:spcPct val="90000"/>
             </a:lnSpc>
@@ -1605,14 +1648,14 @@
             <a:buNone/>
           </a:pPr>
           <a:r>
-            <a:rPr lang="en-US" sz="2300" kern="1200" dirty="0"/>
+            <a:rPr lang="en-US" sz="2000" kern="1200" dirty="0"/>
             <a:t>Price Trends</a:t>
           </a:r>
         </a:p>
       </dsp:txBody>
       <dsp:txXfrm>
-        <a:off x="2413658" y="1716446"/>
-        <a:ext cx="2114159" cy="834209"/>
+        <a:off x="2413658" y="2069268"/>
+        <a:ext cx="2114159" cy="576000"/>
       </dsp:txXfrm>
     </dsp:sp>
     <dsp:sp modelId="{C5472A32-03F3-4C39-9AF7-304DE48A3E4C}">
@@ -1622,8 +1665,8 @@
       </dsp:nvSpPr>
       <dsp:spPr>
         <a:xfrm>
-          <a:off x="2413658" y="2550655"/>
-          <a:ext cx="2114159" cy="1325835"/>
+          <a:off x="2413658" y="2645268"/>
+          <a:ext cx="2114159" cy="878400"/>
         </a:xfrm>
         <a:prstGeom prst="rect">
           <a:avLst/>
@@ -1666,12 +1709,12 @@
         <a:fontRef idx="minor"/>
       </dsp:style>
       <dsp:txBody>
-        <a:bodyPr spcFirstLastPara="0" vert="horz" wrap="square" lIns="122682" tIns="122682" rIns="163576" bIns="184023" numCol="1" spcCol="1270" anchor="t" anchorCtr="0">
+        <a:bodyPr spcFirstLastPara="0" vert="horz" wrap="square" lIns="106680" tIns="106680" rIns="142240" bIns="160020" numCol="1" spcCol="1270" anchor="t" anchorCtr="0">
           <a:noAutofit/>
         </a:bodyPr>
         <a:lstStyle/>
         <a:p>
-          <a:pPr marL="228600" lvl="1" indent="-228600" algn="l" defTabSz="1022350">
+          <a:pPr marL="228600" lvl="1" indent="-228600" algn="l" defTabSz="889000">
             <a:lnSpc>
               <a:spcPct val="90000"/>
             </a:lnSpc>
@@ -1684,14 +1727,14 @@
             <a:buChar char="•"/>
           </a:pPr>
           <a:r>
-            <a:rPr lang="en-US" sz="2300" kern="1200" dirty="0"/>
+            <a:rPr lang="en-US" sz="2000" kern="1200" dirty="0"/>
             <a:t>Zillow Research Data</a:t>
           </a:r>
         </a:p>
       </dsp:txBody>
       <dsp:txXfrm>
-        <a:off x="2413658" y="2550655"/>
-        <a:ext cx="2114159" cy="1325835"/>
+        <a:off x="2413658" y="2645268"/>
+        <a:ext cx="2114159" cy="878400"/>
       </dsp:txXfrm>
     </dsp:sp>
     <dsp:sp modelId="{43AFB2EF-ABB4-4FD9-A615-11B6F5ADD4C2}">
@@ -1701,8 +1744,8 @@
       </dsp:nvSpPr>
       <dsp:spPr>
         <a:xfrm>
-          <a:off x="4823800" y="1716446"/>
-          <a:ext cx="2114159" cy="834209"/>
+          <a:off x="4823800" y="2069268"/>
+          <a:ext cx="2114159" cy="576000"/>
         </a:xfrm>
         <a:prstGeom prst="rect">
           <a:avLst/>
@@ -1743,12 +1786,12 @@
         </a:fontRef>
       </dsp:style>
       <dsp:txBody>
-        <a:bodyPr spcFirstLastPara="0" vert="horz" wrap="square" lIns="163576" tIns="93472" rIns="163576" bIns="93472" numCol="1" spcCol="1270" anchor="ctr" anchorCtr="0">
+        <a:bodyPr spcFirstLastPara="0" vert="horz" wrap="square" lIns="142240" tIns="81280" rIns="142240" bIns="81280" numCol="1" spcCol="1270" anchor="ctr" anchorCtr="0">
           <a:noAutofit/>
         </a:bodyPr>
         <a:lstStyle/>
         <a:p>
-          <a:pPr marL="0" lvl="0" indent="0" algn="ctr" defTabSz="1022350">
+          <a:pPr marL="0" lvl="0" indent="0" algn="ctr" defTabSz="889000">
             <a:lnSpc>
               <a:spcPct val="90000"/>
             </a:lnSpc>
@@ -1761,14 +1804,14 @@
             <a:buNone/>
           </a:pPr>
           <a:r>
-            <a:rPr lang="en-US" sz="2300" kern="1200" dirty="0"/>
+            <a:rPr lang="en-US" sz="2000" kern="1200" dirty="0"/>
             <a:t>Schools</a:t>
           </a:r>
         </a:p>
       </dsp:txBody>
       <dsp:txXfrm>
-        <a:off x="4823800" y="1716446"/>
-        <a:ext cx="2114159" cy="834209"/>
+        <a:off x="4823800" y="2069268"/>
+        <a:ext cx="2114159" cy="576000"/>
       </dsp:txXfrm>
     </dsp:sp>
     <dsp:sp modelId="{092189A3-8BF3-4430-9F1F-B8A289BA2ED9}">
@@ -1778,8 +1821,8 @@
       </dsp:nvSpPr>
       <dsp:spPr>
         <a:xfrm>
-          <a:off x="4823800" y="2550655"/>
-          <a:ext cx="2114159" cy="1325835"/>
+          <a:off x="4823800" y="2645268"/>
+          <a:ext cx="2114159" cy="878400"/>
         </a:xfrm>
         <a:prstGeom prst="rect">
           <a:avLst/>
@@ -1822,12 +1865,12 @@
         <a:fontRef idx="minor"/>
       </dsp:style>
       <dsp:txBody>
-        <a:bodyPr spcFirstLastPara="0" vert="horz" wrap="square" lIns="122682" tIns="122682" rIns="163576" bIns="184023" numCol="1" spcCol="1270" anchor="t" anchorCtr="0">
+        <a:bodyPr spcFirstLastPara="0" vert="horz" wrap="square" lIns="106680" tIns="106680" rIns="142240" bIns="160020" numCol="1" spcCol="1270" anchor="t" anchorCtr="0">
           <a:noAutofit/>
         </a:bodyPr>
         <a:lstStyle/>
         <a:p>
-          <a:pPr marL="228600" lvl="1" indent="-228600" algn="l" defTabSz="1022350">
+          <a:pPr marL="228600" lvl="1" indent="-228600" algn="l" defTabSz="889000">
             <a:lnSpc>
               <a:spcPct val="90000"/>
             </a:lnSpc>
@@ -1840,14 +1883,32 @@
             <a:buChar char="•"/>
           </a:pPr>
           <a:r>
-            <a:rPr lang="en-US" sz="2300" kern="1200" dirty="0"/>
-            <a:t>???</a:t>
+            <a:rPr lang="en-US" sz="2000" kern="1200" dirty="0"/>
+            <a:t>Dataquest.com</a:t>
+          </a:r>
+        </a:p>
+        <a:p>
+          <a:pPr marL="228600" lvl="1" indent="-228600" algn="l" defTabSz="889000">
+            <a:lnSpc>
+              <a:spcPct val="90000"/>
+            </a:lnSpc>
+            <a:spcBef>
+              <a:spcPct val="0"/>
+            </a:spcBef>
+            <a:spcAft>
+              <a:spcPct val="15000"/>
+            </a:spcAft>
+            <a:buChar char="•"/>
+          </a:pPr>
+          <a:r>
+            <a:rPr lang="en-US" sz="2000" kern="1200" dirty="0"/>
+            <a:t>LBUSD</a:t>
           </a:r>
         </a:p>
       </dsp:txBody>
       <dsp:txXfrm>
-        <a:off x="4823800" y="2550655"/>
-        <a:ext cx="2114159" cy="1325835"/>
+        <a:off x="4823800" y="2645268"/>
+        <a:ext cx="2114159" cy="878400"/>
       </dsp:txXfrm>
     </dsp:sp>
     <dsp:sp modelId="{BD5636B4-92CC-4DAA-9AA7-279B344F3446}">
@@ -1857,8 +1918,8 @@
       </dsp:nvSpPr>
       <dsp:spPr>
         <a:xfrm>
-          <a:off x="7237458" y="1716446"/>
-          <a:ext cx="2114159" cy="834209"/>
+          <a:off x="7237458" y="2069268"/>
+          <a:ext cx="2114159" cy="576000"/>
         </a:xfrm>
         <a:prstGeom prst="rect">
           <a:avLst/>
@@ -1899,12 +1960,12 @@
         </a:fontRef>
       </dsp:style>
       <dsp:txBody>
-        <a:bodyPr spcFirstLastPara="0" vert="horz" wrap="square" lIns="163576" tIns="93472" rIns="163576" bIns="93472" numCol="1" spcCol="1270" anchor="ctr" anchorCtr="0">
+        <a:bodyPr spcFirstLastPara="0" vert="horz" wrap="square" lIns="142240" tIns="81280" rIns="142240" bIns="81280" numCol="1" spcCol="1270" anchor="ctr" anchorCtr="0">
           <a:noAutofit/>
         </a:bodyPr>
         <a:lstStyle/>
         <a:p>
-          <a:pPr marL="0" lvl="0" indent="0" algn="ctr" defTabSz="1022350">
+          <a:pPr marL="0" lvl="0" indent="0" algn="ctr" defTabSz="889000">
             <a:lnSpc>
               <a:spcPct val="90000"/>
             </a:lnSpc>
@@ -1917,14 +1978,14 @@
             <a:buNone/>
           </a:pPr>
           <a:r>
-            <a:rPr lang="en-US" sz="2300" kern="1200" dirty="0"/>
+            <a:rPr lang="en-US" sz="2000" kern="1200" dirty="0"/>
             <a:t>Safety</a:t>
           </a:r>
         </a:p>
       </dsp:txBody>
       <dsp:txXfrm>
-        <a:off x="7237458" y="1716446"/>
-        <a:ext cx="2114159" cy="834209"/>
+        <a:off x="7237458" y="2069268"/>
+        <a:ext cx="2114159" cy="576000"/>
       </dsp:txXfrm>
     </dsp:sp>
     <dsp:sp modelId="{61E22F7A-4A63-4D13-B844-7910D3AACB86}">
@@ -1934,8 +1995,8 @@
       </dsp:nvSpPr>
       <dsp:spPr>
         <a:xfrm>
-          <a:off x="7233942" y="2550655"/>
-          <a:ext cx="2114159" cy="1325835"/>
+          <a:off x="7233942" y="2645268"/>
+          <a:ext cx="2114159" cy="878400"/>
         </a:xfrm>
         <a:prstGeom prst="rect">
           <a:avLst/>
@@ -1978,12 +2039,12 @@
         <a:fontRef idx="minor"/>
       </dsp:style>
       <dsp:txBody>
-        <a:bodyPr spcFirstLastPara="0" vert="horz" wrap="square" lIns="122682" tIns="122682" rIns="163576" bIns="184023" numCol="1" spcCol="1270" anchor="t" anchorCtr="0">
+        <a:bodyPr spcFirstLastPara="0" vert="horz" wrap="square" lIns="106680" tIns="106680" rIns="142240" bIns="160020" numCol="1" spcCol="1270" anchor="t" anchorCtr="0">
           <a:noAutofit/>
         </a:bodyPr>
         <a:lstStyle/>
         <a:p>
-          <a:pPr marL="228600" lvl="1" indent="-228600" algn="l" defTabSz="1022350">
+          <a:pPr marL="228600" lvl="1" indent="-228600" algn="l" defTabSz="889000">
             <a:lnSpc>
               <a:spcPct val="90000"/>
             </a:lnSpc>
@@ -1996,14 +2057,14 @@
             <a:buChar char="•"/>
           </a:pPr>
           <a:r>
-            <a:rPr lang="en-US" sz="2300" kern="1200" dirty="0"/>
-            <a:t>???</a:t>
+            <a:rPr lang="en-US" sz="2000" kern="1200" dirty="0"/>
+            <a:t>Longbeach.gov</a:t>
           </a:r>
         </a:p>
       </dsp:txBody>
       <dsp:txXfrm>
-        <a:off x="7233942" y="2550655"/>
-        <a:ext cx="2114159" cy="1325835"/>
+        <a:off x="7233942" y="2645268"/>
+        <a:ext cx="2114159" cy="878400"/>
       </dsp:txXfrm>
     </dsp:sp>
   </dsp:spTree>
@@ -3763,7 +3824,7 @@
           <a:p>
             <a:fld id="{88D38747-4367-4BD2-8D51-C97E202738E2}" type="datetime1">
               <a:rPr lang="en-US" smtClean="0"/>
-              <a:t>1/13/2020</a:t>
+              <a:t>1/15/2020</a:t>
             </a:fld>
             <a:endParaRPr lang="en-US" dirty="0"/>
           </a:p>
@@ -4060,7 +4121,7 @@
           <a:p>
             <a:fld id="{11F1B079-7EF0-44EE-B798-BCC497C9F3B2}" type="datetime1">
               <a:rPr lang="en-US" smtClean="0"/>
-              <a:t>1/13/2020</a:t>
+              <a:t>1/15/2020</a:t>
             </a:fld>
             <a:endParaRPr lang="en-US" dirty="0"/>
           </a:p>
@@ -4308,7 +4369,7 @@
           <a:p>
             <a:fld id="{073ED0CC-082F-4160-86E5-0D6041F12778}" type="datetime1">
               <a:rPr lang="en-US" smtClean="0"/>
-              <a:t>1/13/2020</a:t>
+              <a:t>1/15/2020</a:t>
             </a:fld>
             <a:endParaRPr lang="en-US" dirty="0"/>
           </a:p>
@@ -4849,7 +4910,7 @@
           <a:p>
             <a:fld id="{073ED0CC-082F-4160-86E5-0D6041F12778}" type="datetime1">
               <a:rPr lang="en-US" smtClean="0"/>
-              <a:t>1/13/2020</a:t>
+              <a:t>1/15/2020</a:t>
             </a:fld>
             <a:endParaRPr lang="en-US" dirty="0"/>
           </a:p>
@@ -5098,7 +5159,7 @@
           <a:p>
             <a:fld id="{073ED0CC-082F-4160-86E5-0D6041F12778}" type="datetime1">
               <a:rPr lang="en-US" smtClean="0"/>
-              <a:t>1/13/2020</a:t>
+              <a:t>1/15/2020</a:t>
             </a:fld>
             <a:endParaRPr lang="en-US" dirty="0"/>
           </a:p>
@@ -5631,7 +5692,7 @@
           <a:p>
             <a:fld id="{073ED0CC-082F-4160-86E5-0D6041F12778}" type="datetime1">
               <a:rPr lang="en-US" smtClean="0"/>
-              <a:t>1/13/2020</a:t>
+              <a:t>1/15/2020</a:t>
             </a:fld>
             <a:endParaRPr lang="en-US" dirty="0"/>
           </a:p>
@@ -5929,7 +5990,7 @@
           <a:p>
             <a:fld id="{073ED0CC-082F-4160-86E5-0D6041F12778}" type="datetime1">
               <a:rPr lang="en-US" smtClean="0"/>
-              <a:t>1/13/2020</a:t>
+              <a:t>1/15/2020</a:t>
             </a:fld>
             <a:endParaRPr lang="en-US" dirty="0"/>
           </a:p>
@@ -6104,7 +6165,7 @@
           <a:p>
             <a:fld id="{217E833E-1B6D-415F-AD29-75AE8C43BD0D}" type="datetime1">
               <a:rPr lang="en-US" smtClean="0"/>
-              <a:t>1/13/2020</a:t>
+              <a:t>1/15/2020</a:t>
             </a:fld>
             <a:endParaRPr lang="en-US" dirty="0"/>
           </a:p>
@@ -6284,7 +6345,7 @@
           <a:p>
             <a:fld id="{8452596F-08A7-4B70-989A-F2B1CF31E66B}" type="datetime1">
               <a:rPr lang="en-US" smtClean="0"/>
-              <a:t>1/13/2020</a:t>
+              <a:t>1/15/2020</a:t>
             </a:fld>
             <a:endParaRPr lang="en-US" dirty="0"/>
           </a:p>
@@ -6454,7 +6515,7 @@
           <a:p>
             <a:fld id="{73C55A3C-5767-4844-A0A3-83778C2E5409}" type="datetime1">
               <a:rPr lang="en-US" smtClean="0"/>
-              <a:t>1/13/2020</a:t>
+              <a:t>1/15/2020</a:t>
             </a:fld>
             <a:endParaRPr lang="en-US" dirty="0"/>
           </a:p>
@@ -6705,7 +6766,7 @@
           <a:p>
             <a:fld id="{CAE507A8-A5CF-4D38-AB86-7EDDA87A85D4}" type="datetime1">
               <a:rPr lang="en-US" smtClean="0"/>
-              <a:t>1/13/2020</a:t>
+              <a:t>1/15/2020</a:t>
             </a:fld>
             <a:endParaRPr lang="en-US" dirty="0"/>
           </a:p>
@@ -7003,7 +7064,7 @@
           <a:p>
             <a:fld id="{BDFCD27C-8599-43EF-BA1D-14DDC1946E06}" type="datetime1">
               <a:rPr lang="en-US" smtClean="0"/>
-              <a:t>1/13/2020</a:t>
+              <a:t>1/15/2020</a:t>
             </a:fld>
             <a:endParaRPr lang="en-US" dirty="0"/>
           </a:p>
@@ -7445,7 +7506,7 @@
           <a:p>
             <a:fld id="{49343D99-809A-49C0-96E5-4250D0B498EE}" type="datetime1">
               <a:rPr lang="en-US" smtClean="0"/>
-              <a:t>1/13/2020</a:t>
+              <a:t>1/15/2020</a:t>
             </a:fld>
             <a:endParaRPr lang="en-US" dirty="0"/>
           </a:p>
@@ -7563,7 +7624,7 @@
           <a:p>
             <a:fld id="{A143DE9B-B678-4EFB-BB7D-A4370204A0B0}" type="datetime1">
               <a:rPr lang="en-US" smtClean="0"/>
-              <a:t>1/13/2020</a:t>
+              <a:t>1/15/2020</a:t>
             </a:fld>
             <a:endParaRPr lang="en-US" dirty="0"/>
           </a:p>
@@ -7658,7 +7719,7 @@
           <a:p>
             <a:fld id="{E68812DA-F765-4142-A6A3-A8ED7235E082}" type="datetime1">
               <a:rPr lang="en-US" smtClean="0"/>
-              <a:t>1/13/2020</a:t>
+              <a:t>1/15/2020</a:t>
             </a:fld>
             <a:endParaRPr lang="en-US" dirty="0"/>
           </a:p>
@@ -7941,7 +8002,7 @@
           <a:p>
             <a:fld id="{3E0277FD-7DE6-41D4-930D-AC99F5AFE54E}" type="datetime1">
               <a:rPr lang="en-US" smtClean="0"/>
-              <a:t>1/13/2020</a:t>
+              <a:t>1/15/2020</a:t>
             </a:fld>
             <a:endParaRPr lang="en-US" dirty="0"/>
           </a:p>
@@ -8233,7 +8294,7 @@
           <a:p>
             <a:fld id="{9EA15526-7079-4B7B-987C-1B5FAE11A0FF}" type="datetime1">
               <a:rPr lang="en-US" smtClean="0"/>
-              <a:t>1/13/2020</a:t>
+              <a:t>1/15/2020</a:t>
             </a:fld>
             <a:endParaRPr lang="en-US" dirty="0"/>
           </a:p>
@@ -8764,7 +8825,7 @@
           <a:p>
             <a:fld id="{073ED0CC-082F-4160-86E5-0D6041F12778}" type="datetime1">
               <a:rPr lang="en-US" smtClean="0"/>
-              <a:t>1/13/2020</a:t>
+              <a:t>1/15/2020</a:t>
             </a:fld>
             <a:endParaRPr lang="en-US" dirty="0"/>
           </a:p>
@@ -9507,7 +9568,7 @@
           <p:nvPr>
             <p:extLst>
               <p:ext uri="{D42A27DB-BD31-4B8C-83A1-F6EECF244321}">
-                <p14:modId xmlns:p14="http://schemas.microsoft.com/office/powerpoint/2010/main" val="2585659654"/>
+                <p14:modId xmlns:p14="http://schemas.microsoft.com/office/powerpoint/2010/main" val="1245811591"/>
               </p:ext>
             </p:extLst>
           </p:nvPr>
@@ -9626,7 +9687,7 @@
         </p:nvSpPr>
         <p:spPr>
           <a:xfrm>
-            <a:off x="1484311" y="2133601"/>
+            <a:off x="1577075" y="2133601"/>
             <a:ext cx="4611690" cy="3657600"/>
           </a:xfrm>
         </p:spPr>
@@ -9657,7 +9718,7 @@
             <a:pPr lvl="1"/>
             <a:r>
               <a:rPr lang="en-US" dirty="0"/>
-              <a:t>Zillow library</a:t>
+              <a:t>Zillow API</a:t>
             </a:r>
           </a:p>
           <a:p>
@@ -9666,7 +9727,10 @@
               <a:rPr lang="en-US" dirty="0" err="1"/>
               <a:t>MapBox</a:t>
             </a:r>
-            <a:endParaRPr lang="en-US" dirty="0"/>
+            <a:r>
+              <a:rPr lang="en-US" dirty="0"/>
+              <a:t> API</a:t>
+            </a:r>
           </a:p>
           <a:p>
             <a:r>
@@ -9678,7 +9742,7 @@
             <a:pPr lvl="1"/>
             <a:r>
               <a:rPr lang="en-US" dirty="0"/>
-              <a:t>Pandas</a:t>
+              <a:t>Python Pandas</a:t>
             </a:r>
           </a:p>
           <a:p>
@@ -9980,7 +10044,7 @@
             <a:pPr lvl="1"/>
             <a:r>
               <a:rPr lang="en-US" dirty="0"/>
-              <a:t>D3.js</a:t>
+              <a:t>D3.js </a:t>
             </a:r>
           </a:p>
         </p:txBody>
